--- a/Docs/Devops.pptx
+++ b/Docs/Devops.pptx
@@ -246,7 +246,7 @@
           <a:p>
             <a:fld id="{4C958BA3-C94B-4E70-8F3D-490FBB1EAB44}" type="datetimeFigureOut">
               <a:rPr lang="en-US" smtClean="0"/>
-              <a:t>12/20/2016</a:t>
+              <a:t>12/22/2016</a:t>
             </a:fld>
             <a:endParaRPr lang="en-US"/>
           </a:p>
@@ -416,7 +416,7 @@
           <a:p>
             <a:fld id="{4C958BA3-C94B-4E70-8F3D-490FBB1EAB44}" type="datetimeFigureOut">
               <a:rPr lang="en-US" smtClean="0"/>
-              <a:t>12/20/2016</a:t>
+              <a:t>12/22/2016</a:t>
             </a:fld>
             <a:endParaRPr lang="en-US"/>
           </a:p>
@@ -596,7 +596,7 @@
           <a:p>
             <a:fld id="{4C958BA3-C94B-4E70-8F3D-490FBB1EAB44}" type="datetimeFigureOut">
               <a:rPr lang="en-US" smtClean="0"/>
-              <a:t>12/20/2016</a:t>
+              <a:t>12/22/2016</a:t>
             </a:fld>
             <a:endParaRPr lang="en-US"/>
           </a:p>
@@ -766,7 +766,7 @@
           <a:p>
             <a:fld id="{4C958BA3-C94B-4E70-8F3D-490FBB1EAB44}" type="datetimeFigureOut">
               <a:rPr lang="en-US" smtClean="0"/>
-              <a:t>12/20/2016</a:t>
+              <a:t>12/22/2016</a:t>
             </a:fld>
             <a:endParaRPr lang="en-US"/>
           </a:p>
@@ -1012,7 +1012,7 @@
           <a:p>
             <a:fld id="{4C958BA3-C94B-4E70-8F3D-490FBB1EAB44}" type="datetimeFigureOut">
               <a:rPr lang="en-US" smtClean="0"/>
-              <a:t>12/20/2016</a:t>
+              <a:t>12/22/2016</a:t>
             </a:fld>
             <a:endParaRPr lang="en-US"/>
           </a:p>
@@ -1244,7 +1244,7 @@
           <a:p>
             <a:fld id="{4C958BA3-C94B-4E70-8F3D-490FBB1EAB44}" type="datetimeFigureOut">
               <a:rPr lang="en-US" smtClean="0"/>
-              <a:t>12/20/2016</a:t>
+              <a:t>12/22/2016</a:t>
             </a:fld>
             <a:endParaRPr lang="en-US"/>
           </a:p>
@@ -1611,7 +1611,7 @@
           <a:p>
             <a:fld id="{4C958BA3-C94B-4E70-8F3D-490FBB1EAB44}" type="datetimeFigureOut">
               <a:rPr lang="en-US" smtClean="0"/>
-              <a:t>12/20/2016</a:t>
+              <a:t>12/22/2016</a:t>
             </a:fld>
             <a:endParaRPr lang="en-US"/>
           </a:p>
@@ -1729,7 +1729,7 @@
           <a:p>
             <a:fld id="{4C958BA3-C94B-4E70-8F3D-490FBB1EAB44}" type="datetimeFigureOut">
               <a:rPr lang="en-US" smtClean="0"/>
-              <a:t>12/20/2016</a:t>
+              <a:t>12/22/2016</a:t>
             </a:fld>
             <a:endParaRPr lang="en-US"/>
           </a:p>
@@ -1824,7 +1824,7 @@
           <a:p>
             <a:fld id="{4C958BA3-C94B-4E70-8F3D-490FBB1EAB44}" type="datetimeFigureOut">
               <a:rPr lang="en-US" smtClean="0"/>
-              <a:t>12/20/2016</a:t>
+              <a:t>12/22/2016</a:t>
             </a:fld>
             <a:endParaRPr lang="en-US"/>
           </a:p>
@@ -2101,7 +2101,7 @@
           <a:p>
             <a:fld id="{4C958BA3-C94B-4E70-8F3D-490FBB1EAB44}" type="datetimeFigureOut">
               <a:rPr lang="en-US" smtClean="0"/>
-              <a:t>12/20/2016</a:t>
+              <a:t>12/22/2016</a:t>
             </a:fld>
             <a:endParaRPr lang="en-US"/>
           </a:p>
@@ -2354,7 +2354,7 @@
           <a:p>
             <a:fld id="{4C958BA3-C94B-4E70-8F3D-490FBB1EAB44}" type="datetimeFigureOut">
               <a:rPr lang="en-US" smtClean="0"/>
-              <a:t>12/20/2016</a:t>
+              <a:t>12/22/2016</a:t>
             </a:fld>
             <a:endParaRPr lang="en-US"/>
           </a:p>
@@ -2567,7 +2567,7 @@
           <a:p>
             <a:fld id="{4C958BA3-C94B-4E70-8F3D-490FBB1EAB44}" type="datetimeFigureOut">
               <a:rPr lang="en-US" smtClean="0"/>
-              <a:t>12/20/2016</a:t>
+              <a:t>12/22/2016</a:t>
             </a:fld>
             <a:endParaRPr lang="en-US"/>
           </a:p>
@@ -3262,8 +3262,20 @@
           </a:xfrm>
         </p:spPr>
         <p:txBody>
-          <a:bodyPr/>
-          <a:lstStyle/>
+          <a:bodyPr>
+            <a:normAutofit fontScale="92500" lnSpcReduction="20000"/>
+          </a:bodyPr>
+          <a:lstStyle/>
+          <a:p>
+            <a:pPr marL="0" indent="0">
+              <a:buNone/>
+            </a:pPr>
+            <a:endParaRPr lang="en-US" sz="1200" b="1" dirty="0" smtClean="0">
+              <a:latin typeface="Verdana" panose="020B0604030504040204" pitchFamily="34" charset="0"/>
+              <a:ea typeface="Verdana" panose="020B0604030504040204" pitchFamily="34" charset="0"/>
+              <a:cs typeface="Verdana" panose="020B0604030504040204" pitchFamily="34" charset="0"/>
+            </a:endParaRPr>
+          </a:p>
           <a:p>
             <a:pPr marL="0" indent="0">
               <a:buNone/>
@@ -3274,7 +3286,15 @@
                 <a:ea typeface="Verdana" panose="020B0604030504040204" pitchFamily="34" charset="0"/>
                 <a:cs typeface="Verdana" panose="020B0604030504040204" pitchFamily="34" charset="0"/>
               </a:rPr>
-              <a:t>Software Configuration Management (SCM)</a:t>
+              <a:t>Software </a:t>
+            </a:r>
+            <a:r>
+              <a:rPr lang="en-US" sz="1200" b="1" dirty="0" smtClean="0">
+                <a:latin typeface="Verdana" panose="020B0604030504040204" pitchFamily="34" charset="0"/>
+                <a:ea typeface="Verdana" panose="020B0604030504040204" pitchFamily="34" charset="0"/>
+                <a:cs typeface="Verdana" panose="020B0604030504040204" pitchFamily="34" charset="0"/>
+              </a:rPr>
+              <a:t>Configuration Management (SCM)</a:t>
             </a:r>
             <a:r>
               <a:rPr lang="en-US" sz="1200" dirty="0" smtClean="0">
@@ -3311,15 +3331,7 @@
                 <a:ea typeface="Verdana" panose="020B0604030504040204" pitchFamily="34" charset="0"/>
                 <a:cs typeface="Verdana" panose="020B0604030504040204" pitchFamily="34" charset="0"/>
               </a:rPr>
-              <a:t> : </a:t>
-            </a:r>
-            <a:r>
-              <a:rPr lang="en-US" sz="1100" dirty="0" smtClean="0">
-                <a:latin typeface="Verdana" panose="020B0604030504040204" pitchFamily="34" charset="0"/>
-                <a:ea typeface="Verdana" panose="020B0604030504040204" pitchFamily="34" charset="0"/>
-                <a:cs typeface="Verdana" panose="020B0604030504040204" pitchFamily="34" charset="0"/>
-              </a:rPr>
-              <a:t>GitHub </a:t>
+              <a:t> : GitHub </a:t>
             </a:r>
             <a:r>
               <a:rPr lang="en-US" sz="1100" dirty="0">
@@ -3426,7 +3438,258 @@
                 <a:ea typeface="Verdana" panose="020B0604030504040204" pitchFamily="34" charset="0"/>
                 <a:cs typeface="Verdana" panose="020B0604030504040204" pitchFamily="34" charset="0"/>
               </a:rPr>
-              <a:t> 1. Repository 2. Organization 3. Clone 4. Push 5. Pull 6. Sync 7. Change id 8. Issue 9. Rebase 10. </a:t>
+              <a:t> </a:t>
+            </a:r>
+            <a:endParaRPr lang="en-US" sz="1100" dirty="0" smtClean="0">
+              <a:latin typeface="Verdana" panose="020B0604030504040204" pitchFamily="34" charset="0"/>
+              <a:ea typeface="Verdana" panose="020B0604030504040204" pitchFamily="34" charset="0"/>
+              <a:cs typeface="Verdana" panose="020B0604030504040204" pitchFamily="34" charset="0"/>
+            </a:endParaRPr>
+          </a:p>
+          <a:p>
+            <a:pPr>
+              <a:buAutoNum type="arabicPeriod"/>
+            </a:pPr>
+            <a:r>
+              <a:rPr lang="en-US" sz="1100" dirty="0" smtClean="0">
+                <a:latin typeface="Verdana" panose="020B0604030504040204" pitchFamily="34" charset="0"/>
+                <a:ea typeface="Verdana" panose="020B0604030504040204" pitchFamily="34" charset="0"/>
+                <a:cs typeface="Verdana" panose="020B0604030504040204" pitchFamily="34" charset="0"/>
+              </a:rPr>
+              <a:t>Organization </a:t>
+            </a:r>
+            <a:r>
+              <a:rPr lang="en-US" sz="1100" dirty="0">
+                <a:latin typeface="Verdana" panose="020B0604030504040204" pitchFamily="34" charset="0"/>
+                <a:ea typeface="Verdana" panose="020B0604030504040204" pitchFamily="34" charset="0"/>
+                <a:cs typeface="Verdana" panose="020B0604030504040204" pitchFamily="34" charset="0"/>
+              </a:rPr>
+              <a:t>: Organizations simplify management of group-owned repositories (for example: your company's code), expand on our permissions </a:t>
+            </a:r>
+            <a:r>
+              <a:rPr lang="en-US" sz="1100" dirty="0" smtClean="0">
+                <a:latin typeface="Verdana" panose="020B0604030504040204" pitchFamily="34" charset="0"/>
+                <a:ea typeface="Verdana" panose="020B0604030504040204" pitchFamily="34" charset="0"/>
+                <a:cs typeface="Verdana" panose="020B0604030504040204" pitchFamily="34" charset="0"/>
+              </a:rPr>
+              <a:t>system and </a:t>
+            </a:r>
+            <a:r>
+              <a:rPr lang="en-US" sz="1100" dirty="0">
+                <a:latin typeface="Verdana" panose="020B0604030504040204" pitchFamily="34" charset="0"/>
+                <a:ea typeface="Verdana" panose="020B0604030504040204" pitchFamily="34" charset="0"/>
+                <a:cs typeface="Verdana" panose="020B0604030504040204" pitchFamily="34" charset="0"/>
+              </a:rPr>
+              <a:t>help </a:t>
+            </a:r>
+            <a:r>
+              <a:rPr lang="en-US" sz="1100" dirty="0" smtClean="0">
+                <a:latin typeface="Verdana" panose="020B0604030504040204" pitchFamily="34" charset="0"/>
+                <a:ea typeface="Verdana" panose="020B0604030504040204" pitchFamily="34" charset="0"/>
+                <a:cs typeface="Verdana" panose="020B0604030504040204" pitchFamily="34" charset="0"/>
+              </a:rPr>
+              <a:t>    focus </a:t>
+            </a:r>
+            <a:r>
+              <a:rPr lang="en-US" sz="1100" dirty="0">
+                <a:latin typeface="Verdana" panose="020B0604030504040204" pitchFamily="34" charset="0"/>
+                <a:ea typeface="Verdana" panose="020B0604030504040204" pitchFamily="34" charset="0"/>
+                <a:cs typeface="Verdana" panose="020B0604030504040204" pitchFamily="34" charset="0"/>
+              </a:rPr>
+              <a:t>your GitHub workflow for business and large open source projects,</a:t>
+            </a:r>
+            <a:r>
+              <a:rPr lang="en-US" sz="1100" i="1" dirty="0">
+                <a:latin typeface="Verdana" panose="020B0604030504040204" pitchFamily="34" charset="0"/>
+                <a:ea typeface="Verdana" panose="020B0604030504040204" pitchFamily="34" charset="0"/>
+                <a:cs typeface="Verdana" panose="020B0604030504040204" pitchFamily="34" charset="0"/>
+              </a:rPr>
+              <a:t> Organization can have owner</a:t>
+            </a:r>
+            <a:r>
+              <a:rPr lang="en-US" sz="1100" dirty="0">
+                <a:latin typeface="Verdana" panose="020B0604030504040204" pitchFamily="34" charset="0"/>
+                <a:ea typeface="Verdana" panose="020B0604030504040204" pitchFamily="34" charset="0"/>
+                <a:cs typeface="Verdana" panose="020B0604030504040204" pitchFamily="34" charset="0"/>
+              </a:rPr>
+              <a:t>, </a:t>
+            </a:r>
+            <a:r>
+              <a:rPr lang="en-US" sz="1100" i="1" dirty="0">
+                <a:latin typeface="Verdana" panose="020B0604030504040204" pitchFamily="34" charset="0"/>
+                <a:ea typeface="Verdana" panose="020B0604030504040204" pitchFamily="34" charset="0"/>
+                <a:cs typeface="Verdana" panose="020B0604030504040204" pitchFamily="34" charset="0"/>
+              </a:rPr>
+              <a:t>billing manager</a:t>
+            </a:r>
+            <a:r>
+              <a:rPr lang="en-US" sz="1100" dirty="0">
+                <a:latin typeface="Verdana" panose="020B0604030504040204" pitchFamily="34" charset="0"/>
+                <a:ea typeface="Verdana" panose="020B0604030504040204" pitchFamily="34" charset="0"/>
+                <a:cs typeface="Verdana" panose="020B0604030504040204" pitchFamily="34" charset="0"/>
+              </a:rPr>
+              <a:t>, or </a:t>
+            </a:r>
+            <a:r>
+              <a:rPr lang="en-US" sz="1100" i="1" dirty="0">
+                <a:latin typeface="Verdana" panose="020B0604030504040204" pitchFamily="34" charset="0"/>
+                <a:ea typeface="Verdana" panose="020B0604030504040204" pitchFamily="34" charset="0"/>
+                <a:cs typeface="Verdana" panose="020B0604030504040204" pitchFamily="34" charset="0"/>
+              </a:rPr>
+              <a:t>member</a:t>
+            </a:r>
+            <a:r>
+              <a:rPr lang="en-US" sz="1100" dirty="0">
+                <a:latin typeface="Verdana" panose="020B0604030504040204" pitchFamily="34" charset="0"/>
+                <a:ea typeface="Verdana" panose="020B0604030504040204" pitchFamily="34" charset="0"/>
+                <a:cs typeface="Verdana" panose="020B0604030504040204" pitchFamily="34" charset="0"/>
+              </a:rPr>
+              <a:t> </a:t>
+            </a:r>
+            <a:r>
+              <a:rPr lang="en-US" sz="1100" dirty="0" smtClean="0">
+                <a:latin typeface="Verdana" panose="020B0604030504040204" pitchFamily="34" charset="0"/>
+                <a:ea typeface="Verdana" panose="020B0604030504040204" pitchFamily="34" charset="0"/>
+                <a:cs typeface="Verdana" panose="020B0604030504040204" pitchFamily="34" charset="0"/>
+              </a:rPr>
+              <a:t>roles</a:t>
+            </a:r>
+            <a:endParaRPr lang="en-US" sz="1100" dirty="0" smtClean="0">
+              <a:latin typeface="Verdana" panose="020B0604030504040204" pitchFamily="34" charset="0"/>
+              <a:ea typeface="Verdana" panose="020B0604030504040204" pitchFamily="34" charset="0"/>
+              <a:cs typeface="Verdana" panose="020B0604030504040204" pitchFamily="34" charset="0"/>
+            </a:endParaRPr>
+          </a:p>
+          <a:p>
+            <a:pPr marL="0" indent="0">
+              <a:buNone/>
+            </a:pPr>
+            <a:r>
+              <a:rPr lang="en-US" sz="1100" dirty="0" smtClean="0">
+                <a:latin typeface="Verdana" panose="020B0604030504040204" pitchFamily="34" charset="0"/>
+                <a:ea typeface="Verdana" panose="020B0604030504040204" pitchFamily="34" charset="0"/>
+                <a:cs typeface="Verdana" panose="020B0604030504040204" pitchFamily="34" charset="0"/>
+              </a:rPr>
+              <a:t>2.  Repository : </a:t>
+            </a:r>
+            <a:r>
+              <a:rPr lang="en-US" sz="1100" dirty="0"/>
+              <a:t>A </a:t>
+            </a:r>
+            <a:r>
+              <a:rPr lang="en-US" sz="1100" dirty="0" smtClean="0"/>
+              <a:t>repository is  container contains </a:t>
+            </a:r>
+            <a:r>
+              <a:rPr lang="en-US" sz="1100" dirty="0"/>
+              <a:t>all the files for your project, including the revision history</a:t>
+            </a:r>
+            <a:endParaRPr lang="en-US" sz="1100" dirty="0" smtClean="0">
+              <a:latin typeface="Verdana" panose="020B0604030504040204" pitchFamily="34" charset="0"/>
+              <a:ea typeface="Verdana" panose="020B0604030504040204" pitchFamily="34" charset="0"/>
+              <a:cs typeface="Verdana" panose="020B0604030504040204" pitchFamily="34" charset="0"/>
+            </a:endParaRPr>
+          </a:p>
+          <a:p>
+            <a:pPr marL="0" indent="0">
+              <a:buNone/>
+            </a:pPr>
+            <a:r>
+              <a:rPr lang="en-US" sz="1100" dirty="0" smtClean="0">
+                <a:latin typeface="Verdana" panose="020B0604030504040204" pitchFamily="34" charset="0"/>
+                <a:ea typeface="Verdana" panose="020B0604030504040204" pitchFamily="34" charset="0"/>
+                <a:cs typeface="Verdana" panose="020B0604030504040204" pitchFamily="34" charset="0"/>
+              </a:rPr>
+              <a:t>3. Clone : Local copy of the repository </a:t>
+            </a:r>
+          </a:p>
+          <a:p>
+            <a:pPr marL="0" indent="0">
+              <a:buNone/>
+            </a:pPr>
+            <a:r>
+              <a:rPr lang="en-US" sz="1100" dirty="0" smtClean="0">
+                <a:latin typeface="Verdana" panose="020B0604030504040204" pitchFamily="34" charset="0"/>
+                <a:ea typeface="Verdana" panose="020B0604030504040204" pitchFamily="34" charset="0"/>
+                <a:cs typeface="Verdana" panose="020B0604030504040204" pitchFamily="34" charset="0"/>
+              </a:rPr>
+              <a:t>4. Fork : Your copy of the repository in the server </a:t>
+            </a:r>
+            <a:endParaRPr lang="en-US" sz="1100" dirty="0" smtClean="0">
+              <a:latin typeface="Verdana" panose="020B0604030504040204" pitchFamily="34" charset="0"/>
+              <a:ea typeface="Verdana" panose="020B0604030504040204" pitchFamily="34" charset="0"/>
+              <a:cs typeface="Verdana" panose="020B0604030504040204" pitchFamily="34" charset="0"/>
+            </a:endParaRPr>
+          </a:p>
+          <a:p>
+            <a:pPr marL="0" indent="0">
+              <a:buNone/>
+            </a:pPr>
+            <a:r>
+              <a:rPr lang="en-US" sz="1100" dirty="0" smtClean="0">
+                <a:latin typeface="Verdana" panose="020B0604030504040204" pitchFamily="34" charset="0"/>
+                <a:ea typeface="Verdana" panose="020B0604030504040204" pitchFamily="34" charset="0"/>
+                <a:cs typeface="Verdana" panose="020B0604030504040204" pitchFamily="34" charset="0"/>
+              </a:rPr>
+              <a:t>5. </a:t>
+            </a:r>
+            <a:r>
+              <a:rPr lang="en-US" sz="1100" dirty="0" smtClean="0">
+                <a:latin typeface="Verdana" panose="020B0604030504040204" pitchFamily="34" charset="0"/>
+                <a:ea typeface="Verdana" panose="020B0604030504040204" pitchFamily="34" charset="0"/>
+                <a:cs typeface="Verdana" panose="020B0604030504040204" pitchFamily="34" charset="0"/>
+              </a:rPr>
+              <a:t>Push  : Action to push the local changes to the remote repository </a:t>
+            </a:r>
+          </a:p>
+          <a:p>
+            <a:pPr marL="0" indent="0">
+              <a:buNone/>
+            </a:pPr>
+            <a:r>
+              <a:rPr lang="en-US" sz="1100" dirty="0" smtClean="0">
+                <a:latin typeface="Verdana" panose="020B0604030504040204" pitchFamily="34" charset="0"/>
+                <a:ea typeface="Verdana" panose="020B0604030504040204" pitchFamily="34" charset="0"/>
+                <a:cs typeface="Verdana" panose="020B0604030504040204" pitchFamily="34" charset="0"/>
+              </a:rPr>
+              <a:t>6. Pull/Sync : Actio</a:t>
+            </a:r>
+            <a:r>
+              <a:rPr lang="en-US" sz="1100" dirty="0" smtClean="0">
+                <a:latin typeface="Verdana" panose="020B0604030504040204" pitchFamily="34" charset="0"/>
+                <a:ea typeface="Verdana" panose="020B0604030504040204" pitchFamily="34" charset="0"/>
+                <a:cs typeface="Verdana" panose="020B0604030504040204" pitchFamily="34" charset="0"/>
+              </a:rPr>
+              <a:t>n to sync with the remote changes  to my local repository </a:t>
+            </a:r>
+            <a:r>
+              <a:rPr lang="en-US" sz="1100" dirty="0" smtClean="0">
+                <a:latin typeface="Verdana" panose="020B0604030504040204" pitchFamily="34" charset="0"/>
+                <a:ea typeface="Verdana" panose="020B0604030504040204" pitchFamily="34" charset="0"/>
+                <a:cs typeface="Verdana" panose="020B0604030504040204" pitchFamily="34" charset="0"/>
+              </a:rPr>
+              <a:t> </a:t>
+            </a:r>
+          </a:p>
+          <a:p>
+            <a:pPr marL="0" indent="0">
+              <a:buNone/>
+            </a:pPr>
+            <a:r>
+              <a:rPr lang="en-US" sz="1100" dirty="0" smtClean="0">
+                <a:latin typeface="Verdana" panose="020B0604030504040204" pitchFamily="34" charset="0"/>
+                <a:ea typeface="Verdana" panose="020B0604030504040204" pitchFamily="34" charset="0"/>
+                <a:cs typeface="Verdana" panose="020B0604030504040204" pitchFamily="34" charset="0"/>
+              </a:rPr>
+              <a:t>7</a:t>
+            </a:r>
+            <a:r>
+              <a:rPr lang="en-US" sz="1100" dirty="0" smtClean="0">
+                <a:latin typeface="Verdana" panose="020B0604030504040204" pitchFamily="34" charset="0"/>
+                <a:ea typeface="Verdana" panose="020B0604030504040204" pitchFamily="34" charset="0"/>
+                <a:cs typeface="Verdana" panose="020B0604030504040204" pitchFamily="34" charset="0"/>
+              </a:rPr>
+              <a:t>. Change id 8. Issue 9. Rebase 10. </a:t>
             </a:r>
             <a:r>
               <a:rPr lang="en-US" sz="1100" dirty="0">
